--- a/ppt 16-9/1529.云上太阳.pptx
+++ b/ppt 16-9/1529.云上太阳.pptx
@@ -5,7 +5,7 @@
     <p:sldMasterId id="2147483648" r:id="rId1"/>
   </p:sldMasterIdLst>
   <p:sldIdLst>
-    <p:sldId id="3375" r:id="rId2"/>
+    <p:sldId id="3376" r:id="rId2"/>
   </p:sldIdLst>
   <p:sldSz cx="12192000" cy="6858000"/>
   <p:notesSz cx="6858000" cy="9144000"/>
@@ -129,7 +129,7 @@
           <p:cNvPr id="2" name="标题 1">
             <a:extLst>
               <a:ext uri="{FF2B5EF4-FFF2-40B4-BE49-F238E27FC236}">
-                <a16:creationId xmlns:a16="http://schemas.microsoft.com/office/drawing/2014/main" id="{E88AF1DC-3F96-65E6-D938-3CEA8D829804}"/>
+                <a16:creationId xmlns:a16="http://schemas.microsoft.com/office/drawing/2014/main" id="{B412E102-B3B3-181E-4BD5-086B7C8A9840}"/>
               </a:ext>
             </a:extLst>
           </p:cNvPr>
@@ -166,7 +166,7 @@
           <p:cNvPr id="3" name="副标题 2">
             <a:extLst>
               <a:ext uri="{FF2B5EF4-FFF2-40B4-BE49-F238E27FC236}">
-                <a16:creationId xmlns:a16="http://schemas.microsoft.com/office/drawing/2014/main" id="{9EB76167-E873-ED19-8113-A2A3D77B18E8}"/>
+                <a16:creationId xmlns:a16="http://schemas.microsoft.com/office/drawing/2014/main" id="{8E0208BF-B003-1EB9-1313-1502AB377534}"/>
               </a:ext>
             </a:extLst>
           </p:cNvPr>
@@ -236,7 +236,7 @@
           <p:cNvPr id="4" name="日期占位符 3">
             <a:extLst>
               <a:ext uri="{FF2B5EF4-FFF2-40B4-BE49-F238E27FC236}">
-                <a16:creationId xmlns:a16="http://schemas.microsoft.com/office/drawing/2014/main" id="{22A1D511-F968-5746-AC3A-84DA05205BEF}"/>
+                <a16:creationId xmlns:a16="http://schemas.microsoft.com/office/drawing/2014/main" id="{A477626A-ABC6-4A96-ED2D-7B03958B7C8B}"/>
               </a:ext>
             </a:extLst>
           </p:cNvPr>
@@ -252,7 +252,7 @@
           <a:bodyPr/>
           <a:lstStyle/>
           <a:p>
-            <a:fld id="{E546F93D-E946-4DF5-B3A8-F1A9B4156835}" type="datetimeFigureOut">
+            <a:fld id="{BBC30394-3F69-4228-AB61-327F366D3243}" type="datetimeFigureOut">
               <a:rPr lang="zh-CN" altLang="en-US" smtClean="0"/>
               <a:t>2024/3/10</a:t>
             </a:fld>
@@ -265,7 +265,7 @@
           <p:cNvPr id="5" name="页脚占位符 4">
             <a:extLst>
               <a:ext uri="{FF2B5EF4-FFF2-40B4-BE49-F238E27FC236}">
-                <a16:creationId xmlns:a16="http://schemas.microsoft.com/office/drawing/2014/main" id="{90BFC7B6-AD42-26A7-4698-923666A43821}"/>
+                <a16:creationId xmlns:a16="http://schemas.microsoft.com/office/drawing/2014/main" id="{C69447F7-E3B6-569C-2C9D-91D740C19DF9}"/>
               </a:ext>
             </a:extLst>
           </p:cNvPr>
@@ -290,7 +290,7 @@
           <p:cNvPr id="6" name="灯片编号占位符 5">
             <a:extLst>
               <a:ext uri="{FF2B5EF4-FFF2-40B4-BE49-F238E27FC236}">
-                <a16:creationId xmlns:a16="http://schemas.microsoft.com/office/drawing/2014/main" id="{61EC8E09-2A2A-8685-6EAE-0726EC9D258C}"/>
+                <a16:creationId xmlns:a16="http://schemas.microsoft.com/office/drawing/2014/main" id="{4B932E04-053D-CF69-F331-326A785DF097}"/>
               </a:ext>
             </a:extLst>
           </p:cNvPr>
@@ -306,7 +306,7 @@
           <a:bodyPr/>
           <a:lstStyle/>
           <a:p>
-            <a:fld id="{4D2A542C-E6A2-49FF-A501-9327B4D976C4}" type="slidenum">
+            <a:fld id="{5583479A-0BA9-440C-8E88-16C7C462400E}" type="slidenum">
               <a:rPr lang="zh-CN" altLang="en-US" smtClean="0"/>
               <a:t>‹#›</a:t>
             </a:fld>
@@ -317,7 +317,7 @@
     </p:spTree>
     <p:extLst>
       <p:ext uri="{BB962C8B-B14F-4D97-AF65-F5344CB8AC3E}">
-        <p14:creationId xmlns:p14="http://schemas.microsoft.com/office/powerpoint/2010/main" val="3319387664"/>
+        <p14:creationId xmlns:p14="http://schemas.microsoft.com/office/powerpoint/2010/main" val="3591986964"/>
       </p:ext>
     </p:extLst>
   </p:cSld>
@@ -349,7 +349,7 @@
           <p:cNvPr id="2" name="标题 1">
             <a:extLst>
               <a:ext uri="{FF2B5EF4-FFF2-40B4-BE49-F238E27FC236}">
-                <a16:creationId xmlns:a16="http://schemas.microsoft.com/office/drawing/2014/main" id="{EAB2881E-52CA-30AD-0B48-00F187E7C6EF}"/>
+                <a16:creationId xmlns:a16="http://schemas.microsoft.com/office/drawing/2014/main" id="{A5EE605E-2327-111B-0C5D-D719164E4B24}"/>
               </a:ext>
             </a:extLst>
           </p:cNvPr>
@@ -377,7 +377,7 @@
           <p:cNvPr id="3" name="竖排文字占位符 2">
             <a:extLst>
               <a:ext uri="{FF2B5EF4-FFF2-40B4-BE49-F238E27FC236}">
-                <a16:creationId xmlns:a16="http://schemas.microsoft.com/office/drawing/2014/main" id="{9ECB6A17-ACAE-9A8F-FA03-DB2118E04023}"/>
+                <a16:creationId xmlns:a16="http://schemas.microsoft.com/office/drawing/2014/main" id="{5AF8CDF5-758B-FE37-5F96-9F6820767D99}"/>
               </a:ext>
             </a:extLst>
           </p:cNvPr>
@@ -434,7 +434,7 @@
           <p:cNvPr id="4" name="日期占位符 3">
             <a:extLst>
               <a:ext uri="{FF2B5EF4-FFF2-40B4-BE49-F238E27FC236}">
-                <a16:creationId xmlns:a16="http://schemas.microsoft.com/office/drawing/2014/main" id="{D56643D3-5101-E8FF-1BEB-6C88D133BDE7}"/>
+                <a16:creationId xmlns:a16="http://schemas.microsoft.com/office/drawing/2014/main" id="{70458F25-3623-2A14-0942-0D0C3B9FBCDE}"/>
               </a:ext>
             </a:extLst>
           </p:cNvPr>
@@ -450,7 +450,7 @@
           <a:bodyPr/>
           <a:lstStyle/>
           <a:p>
-            <a:fld id="{E546F93D-E946-4DF5-B3A8-F1A9B4156835}" type="datetimeFigureOut">
+            <a:fld id="{BBC30394-3F69-4228-AB61-327F366D3243}" type="datetimeFigureOut">
               <a:rPr lang="zh-CN" altLang="en-US" smtClean="0"/>
               <a:t>2024/3/10</a:t>
             </a:fld>
@@ -463,7 +463,7 @@
           <p:cNvPr id="5" name="页脚占位符 4">
             <a:extLst>
               <a:ext uri="{FF2B5EF4-FFF2-40B4-BE49-F238E27FC236}">
-                <a16:creationId xmlns:a16="http://schemas.microsoft.com/office/drawing/2014/main" id="{227063DE-98DF-DDE9-46F6-51E35594CEB3}"/>
+                <a16:creationId xmlns:a16="http://schemas.microsoft.com/office/drawing/2014/main" id="{5026CEC9-4BA4-37C2-2064-C6E592973849}"/>
               </a:ext>
             </a:extLst>
           </p:cNvPr>
@@ -488,7 +488,7 @@
           <p:cNvPr id="6" name="灯片编号占位符 5">
             <a:extLst>
               <a:ext uri="{FF2B5EF4-FFF2-40B4-BE49-F238E27FC236}">
-                <a16:creationId xmlns:a16="http://schemas.microsoft.com/office/drawing/2014/main" id="{1E198A4E-CE6A-72E1-2C2A-74AF703AABBD}"/>
+                <a16:creationId xmlns:a16="http://schemas.microsoft.com/office/drawing/2014/main" id="{D0322D2E-4B38-5FC1-F89B-094DD1D7C9C6}"/>
               </a:ext>
             </a:extLst>
           </p:cNvPr>
@@ -504,7 +504,7 @@
           <a:bodyPr/>
           <a:lstStyle/>
           <a:p>
-            <a:fld id="{4D2A542C-E6A2-49FF-A501-9327B4D976C4}" type="slidenum">
+            <a:fld id="{5583479A-0BA9-440C-8E88-16C7C462400E}" type="slidenum">
               <a:rPr lang="zh-CN" altLang="en-US" smtClean="0"/>
               <a:t>‹#›</a:t>
             </a:fld>
@@ -515,7 +515,7 @@
     </p:spTree>
     <p:extLst>
       <p:ext uri="{BB962C8B-B14F-4D97-AF65-F5344CB8AC3E}">
-        <p14:creationId xmlns:p14="http://schemas.microsoft.com/office/powerpoint/2010/main" val="2570415764"/>
+        <p14:creationId xmlns:p14="http://schemas.microsoft.com/office/powerpoint/2010/main" val="285978092"/>
       </p:ext>
     </p:extLst>
   </p:cSld>
@@ -547,7 +547,7 @@
           <p:cNvPr id="2" name="竖排标题 1">
             <a:extLst>
               <a:ext uri="{FF2B5EF4-FFF2-40B4-BE49-F238E27FC236}">
-                <a16:creationId xmlns:a16="http://schemas.microsoft.com/office/drawing/2014/main" id="{DAC88BFD-4A28-2052-0FB7-36BD4F7C042B}"/>
+                <a16:creationId xmlns:a16="http://schemas.microsoft.com/office/drawing/2014/main" id="{E3F45708-A4C0-0D4D-BC13-FC1465CC9807}"/>
               </a:ext>
             </a:extLst>
           </p:cNvPr>
@@ -580,7 +580,7 @@
           <p:cNvPr id="3" name="竖排文字占位符 2">
             <a:extLst>
               <a:ext uri="{FF2B5EF4-FFF2-40B4-BE49-F238E27FC236}">
-                <a16:creationId xmlns:a16="http://schemas.microsoft.com/office/drawing/2014/main" id="{457CE1C0-EFD1-93BD-CE96-1F1B42D8895C}"/>
+                <a16:creationId xmlns:a16="http://schemas.microsoft.com/office/drawing/2014/main" id="{84E97C74-1AB3-E923-37CF-75DC0A55625B}"/>
               </a:ext>
             </a:extLst>
           </p:cNvPr>
@@ -642,7 +642,7 @@
           <p:cNvPr id="4" name="日期占位符 3">
             <a:extLst>
               <a:ext uri="{FF2B5EF4-FFF2-40B4-BE49-F238E27FC236}">
-                <a16:creationId xmlns:a16="http://schemas.microsoft.com/office/drawing/2014/main" id="{29C554D8-D86E-9538-28B4-196E2E4B3DB7}"/>
+                <a16:creationId xmlns:a16="http://schemas.microsoft.com/office/drawing/2014/main" id="{89EC1A3A-3E62-DA02-7AE2-4058B00F173E}"/>
               </a:ext>
             </a:extLst>
           </p:cNvPr>
@@ -658,7 +658,7 @@
           <a:bodyPr/>
           <a:lstStyle/>
           <a:p>
-            <a:fld id="{E546F93D-E946-4DF5-B3A8-F1A9B4156835}" type="datetimeFigureOut">
+            <a:fld id="{BBC30394-3F69-4228-AB61-327F366D3243}" type="datetimeFigureOut">
               <a:rPr lang="zh-CN" altLang="en-US" smtClean="0"/>
               <a:t>2024/3/10</a:t>
             </a:fld>
@@ -671,7 +671,7 @@
           <p:cNvPr id="5" name="页脚占位符 4">
             <a:extLst>
               <a:ext uri="{FF2B5EF4-FFF2-40B4-BE49-F238E27FC236}">
-                <a16:creationId xmlns:a16="http://schemas.microsoft.com/office/drawing/2014/main" id="{FEE8477D-4110-3CBA-8CFE-442DB31529A5}"/>
+                <a16:creationId xmlns:a16="http://schemas.microsoft.com/office/drawing/2014/main" id="{30BDBD4E-8658-71CA-77BF-650ACB1951F1}"/>
               </a:ext>
             </a:extLst>
           </p:cNvPr>
@@ -696,7 +696,7 @@
           <p:cNvPr id="6" name="灯片编号占位符 5">
             <a:extLst>
               <a:ext uri="{FF2B5EF4-FFF2-40B4-BE49-F238E27FC236}">
-                <a16:creationId xmlns:a16="http://schemas.microsoft.com/office/drawing/2014/main" id="{0D380FB9-B2FC-9C95-B34F-0F070E7561AE}"/>
+                <a16:creationId xmlns:a16="http://schemas.microsoft.com/office/drawing/2014/main" id="{DBEFC55B-4A03-348E-528B-8FDC8BB6B9A2}"/>
               </a:ext>
             </a:extLst>
           </p:cNvPr>
@@ -712,7 +712,7 @@
           <a:bodyPr/>
           <a:lstStyle/>
           <a:p>
-            <a:fld id="{4D2A542C-E6A2-49FF-A501-9327B4D976C4}" type="slidenum">
+            <a:fld id="{5583479A-0BA9-440C-8E88-16C7C462400E}" type="slidenum">
               <a:rPr lang="zh-CN" altLang="en-US" smtClean="0"/>
               <a:t>‹#›</a:t>
             </a:fld>
@@ -723,7 +723,7 @@
     </p:spTree>
     <p:extLst>
       <p:ext uri="{BB962C8B-B14F-4D97-AF65-F5344CB8AC3E}">
-        <p14:creationId xmlns:p14="http://schemas.microsoft.com/office/powerpoint/2010/main" val="4128845396"/>
+        <p14:creationId xmlns:p14="http://schemas.microsoft.com/office/powerpoint/2010/main" val="4164832250"/>
       </p:ext>
     </p:extLst>
   </p:cSld>
@@ -755,7 +755,7 @@
           <p:cNvPr id="2" name="标题 1">
             <a:extLst>
               <a:ext uri="{FF2B5EF4-FFF2-40B4-BE49-F238E27FC236}">
-                <a16:creationId xmlns:a16="http://schemas.microsoft.com/office/drawing/2014/main" id="{C50BFFD2-9091-2DB9-9AF7-2BB3DC303269}"/>
+                <a16:creationId xmlns:a16="http://schemas.microsoft.com/office/drawing/2014/main" id="{B5E9BD11-9663-D876-7284-360BCC4EACD1}"/>
               </a:ext>
             </a:extLst>
           </p:cNvPr>
@@ -783,7 +783,7 @@
           <p:cNvPr id="3" name="内容占位符 2">
             <a:extLst>
               <a:ext uri="{FF2B5EF4-FFF2-40B4-BE49-F238E27FC236}">
-                <a16:creationId xmlns:a16="http://schemas.microsoft.com/office/drawing/2014/main" id="{89681B01-742D-6A7F-2A44-3D93CF7C86B4}"/>
+                <a16:creationId xmlns:a16="http://schemas.microsoft.com/office/drawing/2014/main" id="{CFAA8071-D008-953D-38BE-3FBBB2A789A4}"/>
               </a:ext>
             </a:extLst>
           </p:cNvPr>
@@ -840,7 +840,7 @@
           <p:cNvPr id="4" name="日期占位符 3">
             <a:extLst>
               <a:ext uri="{FF2B5EF4-FFF2-40B4-BE49-F238E27FC236}">
-                <a16:creationId xmlns:a16="http://schemas.microsoft.com/office/drawing/2014/main" id="{7E8D81A0-6083-B171-36D5-69DB501CFE83}"/>
+                <a16:creationId xmlns:a16="http://schemas.microsoft.com/office/drawing/2014/main" id="{73521DAB-31C6-ECCC-6C2C-3BCDD7A017E0}"/>
               </a:ext>
             </a:extLst>
           </p:cNvPr>
@@ -856,7 +856,7 @@
           <a:bodyPr/>
           <a:lstStyle/>
           <a:p>
-            <a:fld id="{E546F93D-E946-4DF5-B3A8-F1A9B4156835}" type="datetimeFigureOut">
+            <a:fld id="{BBC30394-3F69-4228-AB61-327F366D3243}" type="datetimeFigureOut">
               <a:rPr lang="zh-CN" altLang="en-US" smtClean="0"/>
               <a:t>2024/3/10</a:t>
             </a:fld>
@@ -869,7 +869,7 @@
           <p:cNvPr id="5" name="页脚占位符 4">
             <a:extLst>
               <a:ext uri="{FF2B5EF4-FFF2-40B4-BE49-F238E27FC236}">
-                <a16:creationId xmlns:a16="http://schemas.microsoft.com/office/drawing/2014/main" id="{6C901D4A-B50B-A6B4-6EC9-5738A5AADA9E}"/>
+                <a16:creationId xmlns:a16="http://schemas.microsoft.com/office/drawing/2014/main" id="{39B8143F-86DC-D932-AC97-F35D99514ADB}"/>
               </a:ext>
             </a:extLst>
           </p:cNvPr>
@@ -894,7 +894,7 @@
           <p:cNvPr id="6" name="灯片编号占位符 5">
             <a:extLst>
               <a:ext uri="{FF2B5EF4-FFF2-40B4-BE49-F238E27FC236}">
-                <a16:creationId xmlns:a16="http://schemas.microsoft.com/office/drawing/2014/main" id="{BF288416-20C8-8443-7136-CE9B717046A0}"/>
+                <a16:creationId xmlns:a16="http://schemas.microsoft.com/office/drawing/2014/main" id="{82C09E7B-408D-D93C-5009-EB066837D057}"/>
               </a:ext>
             </a:extLst>
           </p:cNvPr>
@@ -910,7 +910,7 @@
           <a:bodyPr/>
           <a:lstStyle/>
           <a:p>
-            <a:fld id="{4D2A542C-E6A2-49FF-A501-9327B4D976C4}" type="slidenum">
+            <a:fld id="{5583479A-0BA9-440C-8E88-16C7C462400E}" type="slidenum">
               <a:rPr lang="zh-CN" altLang="en-US" smtClean="0"/>
               <a:t>‹#›</a:t>
             </a:fld>
@@ -921,7 +921,7 @@
     </p:spTree>
     <p:extLst>
       <p:ext uri="{BB962C8B-B14F-4D97-AF65-F5344CB8AC3E}">
-        <p14:creationId xmlns:p14="http://schemas.microsoft.com/office/powerpoint/2010/main" val="3262081835"/>
+        <p14:creationId xmlns:p14="http://schemas.microsoft.com/office/powerpoint/2010/main" val="3705829319"/>
       </p:ext>
     </p:extLst>
   </p:cSld>
@@ -953,7 +953,7 @@
           <p:cNvPr id="2" name="标题 1">
             <a:extLst>
               <a:ext uri="{FF2B5EF4-FFF2-40B4-BE49-F238E27FC236}">
-                <a16:creationId xmlns:a16="http://schemas.microsoft.com/office/drawing/2014/main" id="{43793F84-0B7D-2686-509A-D43FC791387B}"/>
+                <a16:creationId xmlns:a16="http://schemas.microsoft.com/office/drawing/2014/main" id="{C99785D7-6E84-0CA3-7652-A47242C38E79}"/>
               </a:ext>
             </a:extLst>
           </p:cNvPr>
@@ -990,7 +990,7 @@
           <p:cNvPr id="3" name="文本占位符 2">
             <a:extLst>
               <a:ext uri="{FF2B5EF4-FFF2-40B4-BE49-F238E27FC236}">
-                <a16:creationId xmlns:a16="http://schemas.microsoft.com/office/drawing/2014/main" id="{31797D01-45CD-2E12-41FB-4B6C11760807}"/>
+                <a16:creationId xmlns:a16="http://schemas.microsoft.com/office/drawing/2014/main" id="{05BD679A-1BCA-FCF6-D922-3E2C4ACF2EE6}"/>
               </a:ext>
             </a:extLst>
           </p:cNvPr>
@@ -1115,7 +1115,7 @@
           <p:cNvPr id="4" name="日期占位符 3">
             <a:extLst>
               <a:ext uri="{FF2B5EF4-FFF2-40B4-BE49-F238E27FC236}">
-                <a16:creationId xmlns:a16="http://schemas.microsoft.com/office/drawing/2014/main" id="{E2F5F316-8DAE-8A47-0385-8A440AB7592A}"/>
+                <a16:creationId xmlns:a16="http://schemas.microsoft.com/office/drawing/2014/main" id="{B882BEDA-5AC8-790D-A6E0-E0A538000D1F}"/>
               </a:ext>
             </a:extLst>
           </p:cNvPr>
@@ -1131,7 +1131,7 @@
           <a:bodyPr/>
           <a:lstStyle/>
           <a:p>
-            <a:fld id="{E546F93D-E946-4DF5-B3A8-F1A9B4156835}" type="datetimeFigureOut">
+            <a:fld id="{BBC30394-3F69-4228-AB61-327F366D3243}" type="datetimeFigureOut">
               <a:rPr lang="zh-CN" altLang="en-US" smtClean="0"/>
               <a:t>2024/3/10</a:t>
             </a:fld>
@@ -1144,7 +1144,7 @@
           <p:cNvPr id="5" name="页脚占位符 4">
             <a:extLst>
               <a:ext uri="{FF2B5EF4-FFF2-40B4-BE49-F238E27FC236}">
-                <a16:creationId xmlns:a16="http://schemas.microsoft.com/office/drawing/2014/main" id="{106F8AE2-1BEA-2365-5714-2931DD26AF12}"/>
+                <a16:creationId xmlns:a16="http://schemas.microsoft.com/office/drawing/2014/main" id="{3291629A-97B2-22EE-8639-BB91023C7F37}"/>
               </a:ext>
             </a:extLst>
           </p:cNvPr>
@@ -1169,7 +1169,7 @@
           <p:cNvPr id="6" name="灯片编号占位符 5">
             <a:extLst>
               <a:ext uri="{FF2B5EF4-FFF2-40B4-BE49-F238E27FC236}">
-                <a16:creationId xmlns:a16="http://schemas.microsoft.com/office/drawing/2014/main" id="{4F09EED7-D773-5069-C02F-F83B691FB563}"/>
+                <a16:creationId xmlns:a16="http://schemas.microsoft.com/office/drawing/2014/main" id="{5CBFDEFF-E368-B0FE-AC84-6160FD40BC6D}"/>
               </a:ext>
             </a:extLst>
           </p:cNvPr>
@@ -1185,7 +1185,7 @@
           <a:bodyPr/>
           <a:lstStyle/>
           <a:p>
-            <a:fld id="{4D2A542C-E6A2-49FF-A501-9327B4D976C4}" type="slidenum">
+            <a:fld id="{5583479A-0BA9-440C-8E88-16C7C462400E}" type="slidenum">
               <a:rPr lang="zh-CN" altLang="en-US" smtClean="0"/>
               <a:t>‹#›</a:t>
             </a:fld>
@@ -1196,7 +1196,7 @@
     </p:spTree>
     <p:extLst>
       <p:ext uri="{BB962C8B-B14F-4D97-AF65-F5344CB8AC3E}">
-        <p14:creationId xmlns:p14="http://schemas.microsoft.com/office/powerpoint/2010/main" val="3549249896"/>
+        <p14:creationId xmlns:p14="http://schemas.microsoft.com/office/powerpoint/2010/main" val="4103156115"/>
       </p:ext>
     </p:extLst>
   </p:cSld>
@@ -1228,7 +1228,7 @@
           <p:cNvPr id="2" name="标题 1">
             <a:extLst>
               <a:ext uri="{FF2B5EF4-FFF2-40B4-BE49-F238E27FC236}">
-                <a16:creationId xmlns:a16="http://schemas.microsoft.com/office/drawing/2014/main" id="{AB1B9227-4491-82B3-3699-B618D89D3DCE}"/>
+                <a16:creationId xmlns:a16="http://schemas.microsoft.com/office/drawing/2014/main" id="{7635456B-ABF8-F201-4FD4-209D28E813FC}"/>
               </a:ext>
             </a:extLst>
           </p:cNvPr>
@@ -1256,7 +1256,7 @@
           <p:cNvPr id="3" name="内容占位符 2">
             <a:extLst>
               <a:ext uri="{FF2B5EF4-FFF2-40B4-BE49-F238E27FC236}">
-                <a16:creationId xmlns:a16="http://schemas.microsoft.com/office/drawing/2014/main" id="{9DB53E17-F411-90EE-7782-C77C884DCD62}"/>
+                <a16:creationId xmlns:a16="http://schemas.microsoft.com/office/drawing/2014/main" id="{DDB655D6-75D2-D18C-2F6C-CD87BA5E4ACB}"/>
               </a:ext>
             </a:extLst>
           </p:cNvPr>
@@ -1318,7 +1318,7 @@
           <p:cNvPr id="4" name="内容占位符 3">
             <a:extLst>
               <a:ext uri="{FF2B5EF4-FFF2-40B4-BE49-F238E27FC236}">
-                <a16:creationId xmlns:a16="http://schemas.microsoft.com/office/drawing/2014/main" id="{A037F1B6-9203-BC34-2280-EB92323CDBE0}"/>
+                <a16:creationId xmlns:a16="http://schemas.microsoft.com/office/drawing/2014/main" id="{C1F591C6-91C4-7381-05C2-F429B3D39F6A}"/>
               </a:ext>
             </a:extLst>
           </p:cNvPr>
@@ -1380,7 +1380,7 @@
           <p:cNvPr id="5" name="日期占位符 4">
             <a:extLst>
               <a:ext uri="{FF2B5EF4-FFF2-40B4-BE49-F238E27FC236}">
-                <a16:creationId xmlns:a16="http://schemas.microsoft.com/office/drawing/2014/main" id="{A76B8638-9758-90F9-1D83-4F46C1C4B172}"/>
+                <a16:creationId xmlns:a16="http://schemas.microsoft.com/office/drawing/2014/main" id="{112AFC7F-9232-D55D-9AD6-EF18E7D24DDA}"/>
               </a:ext>
             </a:extLst>
           </p:cNvPr>
@@ -1396,7 +1396,7 @@
           <a:bodyPr/>
           <a:lstStyle/>
           <a:p>
-            <a:fld id="{E546F93D-E946-4DF5-B3A8-F1A9B4156835}" type="datetimeFigureOut">
+            <a:fld id="{BBC30394-3F69-4228-AB61-327F366D3243}" type="datetimeFigureOut">
               <a:rPr lang="zh-CN" altLang="en-US" smtClean="0"/>
               <a:t>2024/3/10</a:t>
             </a:fld>
@@ -1409,7 +1409,7 @@
           <p:cNvPr id="6" name="页脚占位符 5">
             <a:extLst>
               <a:ext uri="{FF2B5EF4-FFF2-40B4-BE49-F238E27FC236}">
-                <a16:creationId xmlns:a16="http://schemas.microsoft.com/office/drawing/2014/main" id="{3DC6BA2B-07E4-DB49-0066-DE82A102396C}"/>
+                <a16:creationId xmlns:a16="http://schemas.microsoft.com/office/drawing/2014/main" id="{4A73ADF9-129B-7525-0E09-2C33544A76CC}"/>
               </a:ext>
             </a:extLst>
           </p:cNvPr>
@@ -1434,7 +1434,7 @@
           <p:cNvPr id="7" name="灯片编号占位符 6">
             <a:extLst>
               <a:ext uri="{FF2B5EF4-FFF2-40B4-BE49-F238E27FC236}">
-                <a16:creationId xmlns:a16="http://schemas.microsoft.com/office/drawing/2014/main" id="{5C455F79-6E79-BB9C-1AD8-433C6A79B2A0}"/>
+                <a16:creationId xmlns:a16="http://schemas.microsoft.com/office/drawing/2014/main" id="{BE45F21B-325B-F3F3-AA91-24EE5F7F4BB2}"/>
               </a:ext>
             </a:extLst>
           </p:cNvPr>
@@ -1450,7 +1450,7 @@
           <a:bodyPr/>
           <a:lstStyle/>
           <a:p>
-            <a:fld id="{4D2A542C-E6A2-49FF-A501-9327B4D976C4}" type="slidenum">
+            <a:fld id="{5583479A-0BA9-440C-8E88-16C7C462400E}" type="slidenum">
               <a:rPr lang="zh-CN" altLang="en-US" smtClean="0"/>
               <a:t>‹#›</a:t>
             </a:fld>
@@ -1461,7 +1461,7 @@
     </p:spTree>
     <p:extLst>
       <p:ext uri="{BB962C8B-B14F-4D97-AF65-F5344CB8AC3E}">
-        <p14:creationId xmlns:p14="http://schemas.microsoft.com/office/powerpoint/2010/main" val="120233235"/>
+        <p14:creationId xmlns:p14="http://schemas.microsoft.com/office/powerpoint/2010/main" val="3608681905"/>
       </p:ext>
     </p:extLst>
   </p:cSld>
@@ -1493,7 +1493,7 @@
           <p:cNvPr id="2" name="标题 1">
             <a:extLst>
               <a:ext uri="{FF2B5EF4-FFF2-40B4-BE49-F238E27FC236}">
-                <a16:creationId xmlns:a16="http://schemas.microsoft.com/office/drawing/2014/main" id="{30FB9D49-02AA-6521-0DEB-134E915E064D}"/>
+                <a16:creationId xmlns:a16="http://schemas.microsoft.com/office/drawing/2014/main" id="{2D104BEA-1141-9652-26BD-0AC6350776E1}"/>
               </a:ext>
             </a:extLst>
           </p:cNvPr>
@@ -1526,7 +1526,7 @@
           <p:cNvPr id="3" name="文本占位符 2">
             <a:extLst>
               <a:ext uri="{FF2B5EF4-FFF2-40B4-BE49-F238E27FC236}">
-                <a16:creationId xmlns:a16="http://schemas.microsoft.com/office/drawing/2014/main" id="{328A608E-3B35-D3E5-1880-D313B899D3E1}"/>
+                <a16:creationId xmlns:a16="http://schemas.microsoft.com/office/drawing/2014/main" id="{35DC19B2-C937-6A4F-87DB-7673A8E96463}"/>
               </a:ext>
             </a:extLst>
           </p:cNvPr>
@@ -1597,7 +1597,7 @@
           <p:cNvPr id="4" name="内容占位符 3">
             <a:extLst>
               <a:ext uri="{FF2B5EF4-FFF2-40B4-BE49-F238E27FC236}">
-                <a16:creationId xmlns:a16="http://schemas.microsoft.com/office/drawing/2014/main" id="{3B8D603F-EFBE-685A-E76B-4B6E43076BC9}"/>
+                <a16:creationId xmlns:a16="http://schemas.microsoft.com/office/drawing/2014/main" id="{AB6EE392-E35C-774C-CC0F-C5AB04DE16EC}"/>
               </a:ext>
             </a:extLst>
           </p:cNvPr>
@@ -1659,7 +1659,7 @@
           <p:cNvPr id="5" name="文本占位符 4">
             <a:extLst>
               <a:ext uri="{FF2B5EF4-FFF2-40B4-BE49-F238E27FC236}">
-                <a16:creationId xmlns:a16="http://schemas.microsoft.com/office/drawing/2014/main" id="{26954AE8-53BE-5C0E-6C00-14CE3CFC5443}"/>
+                <a16:creationId xmlns:a16="http://schemas.microsoft.com/office/drawing/2014/main" id="{D412506F-6C01-B9B3-59CE-59F52D7E4304}"/>
               </a:ext>
             </a:extLst>
           </p:cNvPr>
@@ -1730,7 +1730,7 @@
           <p:cNvPr id="6" name="内容占位符 5">
             <a:extLst>
               <a:ext uri="{FF2B5EF4-FFF2-40B4-BE49-F238E27FC236}">
-                <a16:creationId xmlns:a16="http://schemas.microsoft.com/office/drawing/2014/main" id="{819382E2-5DFF-8471-0B97-5EB0EDA3B7C8}"/>
+                <a16:creationId xmlns:a16="http://schemas.microsoft.com/office/drawing/2014/main" id="{DA0CD488-5C4E-9FA4-35C7-7A9D01672854}"/>
               </a:ext>
             </a:extLst>
           </p:cNvPr>
@@ -1792,7 +1792,7 @@
           <p:cNvPr id="7" name="日期占位符 6">
             <a:extLst>
               <a:ext uri="{FF2B5EF4-FFF2-40B4-BE49-F238E27FC236}">
-                <a16:creationId xmlns:a16="http://schemas.microsoft.com/office/drawing/2014/main" id="{B1890C92-4A15-4AF5-C383-CC2285886F82}"/>
+                <a16:creationId xmlns:a16="http://schemas.microsoft.com/office/drawing/2014/main" id="{49797C9F-0964-C7D4-B0AF-48CB017EA351}"/>
               </a:ext>
             </a:extLst>
           </p:cNvPr>
@@ -1808,7 +1808,7 @@
           <a:bodyPr/>
           <a:lstStyle/>
           <a:p>
-            <a:fld id="{E546F93D-E946-4DF5-B3A8-F1A9B4156835}" type="datetimeFigureOut">
+            <a:fld id="{BBC30394-3F69-4228-AB61-327F366D3243}" type="datetimeFigureOut">
               <a:rPr lang="zh-CN" altLang="en-US" smtClean="0"/>
               <a:t>2024/3/10</a:t>
             </a:fld>
@@ -1821,7 +1821,7 @@
           <p:cNvPr id="8" name="页脚占位符 7">
             <a:extLst>
               <a:ext uri="{FF2B5EF4-FFF2-40B4-BE49-F238E27FC236}">
-                <a16:creationId xmlns:a16="http://schemas.microsoft.com/office/drawing/2014/main" id="{256B107C-060E-CEF6-F986-C744C901E23E}"/>
+                <a16:creationId xmlns:a16="http://schemas.microsoft.com/office/drawing/2014/main" id="{9F8D3615-2302-24E9-97D4-8F8B4EC184E2}"/>
               </a:ext>
             </a:extLst>
           </p:cNvPr>
@@ -1846,7 +1846,7 @@
           <p:cNvPr id="9" name="灯片编号占位符 8">
             <a:extLst>
               <a:ext uri="{FF2B5EF4-FFF2-40B4-BE49-F238E27FC236}">
-                <a16:creationId xmlns:a16="http://schemas.microsoft.com/office/drawing/2014/main" id="{9A5B53E1-A5E7-2F75-9ED8-27D093336C75}"/>
+                <a16:creationId xmlns:a16="http://schemas.microsoft.com/office/drawing/2014/main" id="{99E8D101-BB41-4AC7-2CB2-BBB98C03724E}"/>
               </a:ext>
             </a:extLst>
           </p:cNvPr>
@@ -1862,7 +1862,7 @@
           <a:bodyPr/>
           <a:lstStyle/>
           <a:p>
-            <a:fld id="{4D2A542C-E6A2-49FF-A501-9327B4D976C4}" type="slidenum">
+            <a:fld id="{5583479A-0BA9-440C-8E88-16C7C462400E}" type="slidenum">
               <a:rPr lang="zh-CN" altLang="en-US" smtClean="0"/>
               <a:t>‹#›</a:t>
             </a:fld>
@@ -1873,7 +1873,7 @@
     </p:spTree>
     <p:extLst>
       <p:ext uri="{BB962C8B-B14F-4D97-AF65-F5344CB8AC3E}">
-        <p14:creationId xmlns:p14="http://schemas.microsoft.com/office/powerpoint/2010/main" val="322071173"/>
+        <p14:creationId xmlns:p14="http://schemas.microsoft.com/office/powerpoint/2010/main" val="3297958201"/>
       </p:ext>
     </p:extLst>
   </p:cSld>
@@ -1905,7 +1905,7 @@
           <p:cNvPr id="2" name="标题 1">
             <a:extLst>
               <a:ext uri="{FF2B5EF4-FFF2-40B4-BE49-F238E27FC236}">
-                <a16:creationId xmlns:a16="http://schemas.microsoft.com/office/drawing/2014/main" id="{1C5B79AD-F897-E6FA-0AB1-894713A36E2A}"/>
+                <a16:creationId xmlns:a16="http://schemas.microsoft.com/office/drawing/2014/main" id="{0EFC12C1-7484-C2D3-DAA7-2064AF116B01}"/>
               </a:ext>
             </a:extLst>
           </p:cNvPr>
@@ -1933,7 +1933,7 @@
           <p:cNvPr id="3" name="日期占位符 2">
             <a:extLst>
               <a:ext uri="{FF2B5EF4-FFF2-40B4-BE49-F238E27FC236}">
-                <a16:creationId xmlns:a16="http://schemas.microsoft.com/office/drawing/2014/main" id="{1CAA42A4-A793-61D4-702B-992C76F86FCB}"/>
+                <a16:creationId xmlns:a16="http://schemas.microsoft.com/office/drawing/2014/main" id="{61FA1C45-FC09-D22E-4215-25AC0E49D2D3}"/>
               </a:ext>
             </a:extLst>
           </p:cNvPr>
@@ -1949,7 +1949,7 @@
           <a:bodyPr/>
           <a:lstStyle/>
           <a:p>
-            <a:fld id="{E546F93D-E946-4DF5-B3A8-F1A9B4156835}" type="datetimeFigureOut">
+            <a:fld id="{BBC30394-3F69-4228-AB61-327F366D3243}" type="datetimeFigureOut">
               <a:rPr lang="zh-CN" altLang="en-US" smtClean="0"/>
               <a:t>2024/3/10</a:t>
             </a:fld>
@@ -1962,7 +1962,7 @@
           <p:cNvPr id="4" name="页脚占位符 3">
             <a:extLst>
               <a:ext uri="{FF2B5EF4-FFF2-40B4-BE49-F238E27FC236}">
-                <a16:creationId xmlns:a16="http://schemas.microsoft.com/office/drawing/2014/main" id="{D885B35A-ED85-92C9-2C0B-C5809330910B}"/>
+                <a16:creationId xmlns:a16="http://schemas.microsoft.com/office/drawing/2014/main" id="{0EE9E0FD-415E-7395-7681-0952FFBA9323}"/>
               </a:ext>
             </a:extLst>
           </p:cNvPr>
@@ -1987,7 +1987,7 @@
           <p:cNvPr id="5" name="灯片编号占位符 4">
             <a:extLst>
               <a:ext uri="{FF2B5EF4-FFF2-40B4-BE49-F238E27FC236}">
-                <a16:creationId xmlns:a16="http://schemas.microsoft.com/office/drawing/2014/main" id="{565B28E0-09FA-5A50-CCA1-5338DF0565D2}"/>
+                <a16:creationId xmlns:a16="http://schemas.microsoft.com/office/drawing/2014/main" id="{86BB191B-C8E1-339E-82A5-8BBE42EEB5A3}"/>
               </a:ext>
             </a:extLst>
           </p:cNvPr>
@@ -2003,7 +2003,7 @@
           <a:bodyPr/>
           <a:lstStyle/>
           <a:p>
-            <a:fld id="{4D2A542C-E6A2-49FF-A501-9327B4D976C4}" type="slidenum">
+            <a:fld id="{5583479A-0BA9-440C-8E88-16C7C462400E}" type="slidenum">
               <a:rPr lang="zh-CN" altLang="en-US" smtClean="0"/>
               <a:t>‹#›</a:t>
             </a:fld>
@@ -2014,7 +2014,7 @@
     </p:spTree>
     <p:extLst>
       <p:ext uri="{BB962C8B-B14F-4D97-AF65-F5344CB8AC3E}">
-        <p14:creationId xmlns:p14="http://schemas.microsoft.com/office/powerpoint/2010/main" val="1676804494"/>
+        <p14:creationId xmlns:p14="http://schemas.microsoft.com/office/powerpoint/2010/main" val="67159232"/>
       </p:ext>
     </p:extLst>
   </p:cSld>
@@ -2046,7 +2046,7 @@
           <p:cNvPr id="2" name="日期占位符 1">
             <a:extLst>
               <a:ext uri="{FF2B5EF4-FFF2-40B4-BE49-F238E27FC236}">
-                <a16:creationId xmlns:a16="http://schemas.microsoft.com/office/drawing/2014/main" id="{0D27181D-9A07-BEFD-BA98-17D024F9E3BF}"/>
+                <a16:creationId xmlns:a16="http://schemas.microsoft.com/office/drawing/2014/main" id="{0976F5D9-4D2D-A95B-DA35-D0863754312A}"/>
               </a:ext>
             </a:extLst>
           </p:cNvPr>
@@ -2062,7 +2062,7 @@
           <a:bodyPr/>
           <a:lstStyle/>
           <a:p>
-            <a:fld id="{E546F93D-E946-4DF5-B3A8-F1A9B4156835}" type="datetimeFigureOut">
+            <a:fld id="{BBC30394-3F69-4228-AB61-327F366D3243}" type="datetimeFigureOut">
               <a:rPr lang="zh-CN" altLang="en-US" smtClean="0"/>
               <a:t>2024/3/10</a:t>
             </a:fld>
@@ -2075,7 +2075,7 @@
           <p:cNvPr id="3" name="页脚占位符 2">
             <a:extLst>
               <a:ext uri="{FF2B5EF4-FFF2-40B4-BE49-F238E27FC236}">
-                <a16:creationId xmlns:a16="http://schemas.microsoft.com/office/drawing/2014/main" id="{FE1CE77B-A9A7-CC3B-A4A5-538FE8EDB967}"/>
+                <a16:creationId xmlns:a16="http://schemas.microsoft.com/office/drawing/2014/main" id="{AC117C64-C686-A5AC-5644-E95A839E8ED6}"/>
               </a:ext>
             </a:extLst>
           </p:cNvPr>
@@ -2100,7 +2100,7 @@
           <p:cNvPr id="4" name="灯片编号占位符 3">
             <a:extLst>
               <a:ext uri="{FF2B5EF4-FFF2-40B4-BE49-F238E27FC236}">
-                <a16:creationId xmlns:a16="http://schemas.microsoft.com/office/drawing/2014/main" id="{0262C316-EBA3-C816-0FF1-E57988FA2A57}"/>
+                <a16:creationId xmlns:a16="http://schemas.microsoft.com/office/drawing/2014/main" id="{BCDC124E-2758-AF2E-B43C-4C0DFFF3F06C}"/>
               </a:ext>
             </a:extLst>
           </p:cNvPr>
@@ -2116,7 +2116,7 @@
           <a:bodyPr/>
           <a:lstStyle/>
           <a:p>
-            <a:fld id="{4D2A542C-E6A2-49FF-A501-9327B4D976C4}" type="slidenum">
+            <a:fld id="{5583479A-0BA9-440C-8E88-16C7C462400E}" type="slidenum">
               <a:rPr lang="zh-CN" altLang="en-US" smtClean="0"/>
               <a:t>‹#›</a:t>
             </a:fld>
@@ -2127,7 +2127,7 @@
     </p:spTree>
     <p:extLst>
       <p:ext uri="{BB962C8B-B14F-4D97-AF65-F5344CB8AC3E}">
-        <p14:creationId xmlns:p14="http://schemas.microsoft.com/office/powerpoint/2010/main" val="2340493531"/>
+        <p14:creationId xmlns:p14="http://schemas.microsoft.com/office/powerpoint/2010/main" val="2216992536"/>
       </p:ext>
     </p:extLst>
   </p:cSld>
@@ -2159,7 +2159,7 @@
           <p:cNvPr id="2" name="标题 1">
             <a:extLst>
               <a:ext uri="{FF2B5EF4-FFF2-40B4-BE49-F238E27FC236}">
-                <a16:creationId xmlns:a16="http://schemas.microsoft.com/office/drawing/2014/main" id="{0616A831-4B6A-9351-0803-A6226407ACED}"/>
+                <a16:creationId xmlns:a16="http://schemas.microsoft.com/office/drawing/2014/main" id="{005D678E-6544-9E25-CC12-AA38CDB9D82A}"/>
               </a:ext>
             </a:extLst>
           </p:cNvPr>
@@ -2196,7 +2196,7 @@
           <p:cNvPr id="3" name="内容占位符 2">
             <a:extLst>
               <a:ext uri="{FF2B5EF4-FFF2-40B4-BE49-F238E27FC236}">
-                <a16:creationId xmlns:a16="http://schemas.microsoft.com/office/drawing/2014/main" id="{6C88D938-1AE7-2DD5-8E58-A184343CCC23}"/>
+                <a16:creationId xmlns:a16="http://schemas.microsoft.com/office/drawing/2014/main" id="{EF52E4D8-80C6-765F-5B13-AEB1B6285CAF}"/>
               </a:ext>
             </a:extLst>
           </p:cNvPr>
@@ -2286,7 +2286,7 @@
           <p:cNvPr id="4" name="文本占位符 3">
             <a:extLst>
               <a:ext uri="{FF2B5EF4-FFF2-40B4-BE49-F238E27FC236}">
-                <a16:creationId xmlns:a16="http://schemas.microsoft.com/office/drawing/2014/main" id="{1DDC36BA-B6A9-A879-C161-56E0B766EB01}"/>
+                <a16:creationId xmlns:a16="http://schemas.microsoft.com/office/drawing/2014/main" id="{3F00E871-D68F-4807-85B6-93C9B44E1395}"/>
               </a:ext>
             </a:extLst>
           </p:cNvPr>
@@ -2357,7 +2357,7 @@
           <p:cNvPr id="5" name="日期占位符 4">
             <a:extLst>
               <a:ext uri="{FF2B5EF4-FFF2-40B4-BE49-F238E27FC236}">
-                <a16:creationId xmlns:a16="http://schemas.microsoft.com/office/drawing/2014/main" id="{0ED92B34-405B-1888-7520-D7D78A747A23}"/>
+                <a16:creationId xmlns:a16="http://schemas.microsoft.com/office/drawing/2014/main" id="{F8904EEC-B983-5F1C-85D7-2A06A42C1369}"/>
               </a:ext>
             </a:extLst>
           </p:cNvPr>
@@ -2373,7 +2373,7 @@
           <a:bodyPr/>
           <a:lstStyle/>
           <a:p>
-            <a:fld id="{E546F93D-E946-4DF5-B3A8-F1A9B4156835}" type="datetimeFigureOut">
+            <a:fld id="{BBC30394-3F69-4228-AB61-327F366D3243}" type="datetimeFigureOut">
               <a:rPr lang="zh-CN" altLang="en-US" smtClean="0"/>
               <a:t>2024/3/10</a:t>
             </a:fld>
@@ -2386,7 +2386,7 @@
           <p:cNvPr id="6" name="页脚占位符 5">
             <a:extLst>
               <a:ext uri="{FF2B5EF4-FFF2-40B4-BE49-F238E27FC236}">
-                <a16:creationId xmlns:a16="http://schemas.microsoft.com/office/drawing/2014/main" id="{BEC97D71-C623-709E-6DF6-313728238BCC}"/>
+                <a16:creationId xmlns:a16="http://schemas.microsoft.com/office/drawing/2014/main" id="{6EBFE760-A331-F4AC-695E-FF7FC35D9160}"/>
               </a:ext>
             </a:extLst>
           </p:cNvPr>
@@ -2411,7 +2411,7 @@
           <p:cNvPr id="7" name="灯片编号占位符 6">
             <a:extLst>
               <a:ext uri="{FF2B5EF4-FFF2-40B4-BE49-F238E27FC236}">
-                <a16:creationId xmlns:a16="http://schemas.microsoft.com/office/drawing/2014/main" id="{8548D9AA-313C-C006-3D70-08687267AD23}"/>
+                <a16:creationId xmlns:a16="http://schemas.microsoft.com/office/drawing/2014/main" id="{0D58769A-4534-80EE-1063-9130F9ABFBD2}"/>
               </a:ext>
             </a:extLst>
           </p:cNvPr>
@@ -2427,7 +2427,7 @@
           <a:bodyPr/>
           <a:lstStyle/>
           <a:p>
-            <a:fld id="{4D2A542C-E6A2-49FF-A501-9327B4D976C4}" type="slidenum">
+            <a:fld id="{5583479A-0BA9-440C-8E88-16C7C462400E}" type="slidenum">
               <a:rPr lang="zh-CN" altLang="en-US" smtClean="0"/>
               <a:t>‹#›</a:t>
             </a:fld>
@@ -2438,7 +2438,7 @@
     </p:spTree>
     <p:extLst>
       <p:ext uri="{BB962C8B-B14F-4D97-AF65-F5344CB8AC3E}">
-        <p14:creationId xmlns:p14="http://schemas.microsoft.com/office/powerpoint/2010/main" val="1232555722"/>
+        <p14:creationId xmlns:p14="http://schemas.microsoft.com/office/powerpoint/2010/main" val="1747288358"/>
       </p:ext>
     </p:extLst>
   </p:cSld>
@@ -2470,7 +2470,7 @@
           <p:cNvPr id="2" name="标题 1">
             <a:extLst>
               <a:ext uri="{FF2B5EF4-FFF2-40B4-BE49-F238E27FC236}">
-                <a16:creationId xmlns:a16="http://schemas.microsoft.com/office/drawing/2014/main" id="{022442DC-5BE2-8BFE-8F09-9197AD9516C8}"/>
+                <a16:creationId xmlns:a16="http://schemas.microsoft.com/office/drawing/2014/main" id="{277BC132-8365-3F7D-EC49-912082FA9E97}"/>
               </a:ext>
             </a:extLst>
           </p:cNvPr>
@@ -2507,7 +2507,7 @@
           <p:cNvPr id="3" name="图片占位符 2">
             <a:extLst>
               <a:ext uri="{FF2B5EF4-FFF2-40B4-BE49-F238E27FC236}">
-                <a16:creationId xmlns:a16="http://schemas.microsoft.com/office/drawing/2014/main" id="{FC90D3E5-CA2A-BA2F-920A-473B5E1C86EA}"/>
+                <a16:creationId xmlns:a16="http://schemas.microsoft.com/office/drawing/2014/main" id="{798A4D75-67C9-C409-5131-53AFC5E039E8}"/>
               </a:ext>
             </a:extLst>
           </p:cNvPr>
@@ -2574,7 +2574,7 @@
           <p:cNvPr id="4" name="文本占位符 3">
             <a:extLst>
               <a:ext uri="{FF2B5EF4-FFF2-40B4-BE49-F238E27FC236}">
-                <a16:creationId xmlns:a16="http://schemas.microsoft.com/office/drawing/2014/main" id="{44E8C0E3-D159-8CA5-D21E-65C23A526269}"/>
+                <a16:creationId xmlns:a16="http://schemas.microsoft.com/office/drawing/2014/main" id="{48E0BDEE-94EA-76C7-7372-060443AC66C5}"/>
               </a:ext>
             </a:extLst>
           </p:cNvPr>
@@ -2645,7 +2645,7 @@
           <p:cNvPr id="5" name="日期占位符 4">
             <a:extLst>
               <a:ext uri="{FF2B5EF4-FFF2-40B4-BE49-F238E27FC236}">
-                <a16:creationId xmlns:a16="http://schemas.microsoft.com/office/drawing/2014/main" id="{E85E6D25-BC94-CCE7-49A7-1EE425D01CE0}"/>
+                <a16:creationId xmlns:a16="http://schemas.microsoft.com/office/drawing/2014/main" id="{E8BD2C77-F033-C158-053E-E4E727C9D4C8}"/>
               </a:ext>
             </a:extLst>
           </p:cNvPr>
@@ -2661,7 +2661,7 @@
           <a:bodyPr/>
           <a:lstStyle/>
           <a:p>
-            <a:fld id="{E546F93D-E946-4DF5-B3A8-F1A9B4156835}" type="datetimeFigureOut">
+            <a:fld id="{BBC30394-3F69-4228-AB61-327F366D3243}" type="datetimeFigureOut">
               <a:rPr lang="zh-CN" altLang="en-US" smtClean="0"/>
               <a:t>2024/3/10</a:t>
             </a:fld>
@@ -2674,7 +2674,7 @@
           <p:cNvPr id="6" name="页脚占位符 5">
             <a:extLst>
               <a:ext uri="{FF2B5EF4-FFF2-40B4-BE49-F238E27FC236}">
-                <a16:creationId xmlns:a16="http://schemas.microsoft.com/office/drawing/2014/main" id="{E509FCCC-A919-2FF5-4C70-6AA9FDDF0B78}"/>
+                <a16:creationId xmlns:a16="http://schemas.microsoft.com/office/drawing/2014/main" id="{77ADDB78-E861-0D4A-FE60-8D219E62DCBD}"/>
               </a:ext>
             </a:extLst>
           </p:cNvPr>
@@ -2699,7 +2699,7 @@
           <p:cNvPr id="7" name="灯片编号占位符 6">
             <a:extLst>
               <a:ext uri="{FF2B5EF4-FFF2-40B4-BE49-F238E27FC236}">
-                <a16:creationId xmlns:a16="http://schemas.microsoft.com/office/drawing/2014/main" id="{034A7424-28AB-2FB9-2B44-12C7D6A44DC3}"/>
+                <a16:creationId xmlns:a16="http://schemas.microsoft.com/office/drawing/2014/main" id="{C78B303C-036C-0B4D-D684-F5BE5FE92FA9}"/>
               </a:ext>
             </a:extLst>
           </p:cNvPr>
@@ -2715,7 +2715,7 @@
           <a:bodyPr/>
           <a:lstStyle/>
           <a:p>
-            <a:fld id="{4D2A542C-E6A2-49FF-A501-9327B4D976C4}" type="slidenum">
+            <a:fld id="{5583479A-0BA9-440C-8E88-16C7C462400E}" type="slidenum">
               <a:rPr lang="zh-CN" altLang="en-US" smtClean="0"/>
               <a:t>‹#›</a:t>
             </a:fld>
@@ -2726,7 +2726,7 @@
     </p:spTree>
     <p:extLst>
       <p:ext uri="{BB962C8B-B14F-4D97-AF65-F5344CB8AC3E}">
-        <p14:creationId xmlns:p14="http://schemas.microsoft.com/office/powerpoint/2010/main" val="3583130460"/>
+        <p14:creationId xmlns:p14="http://schemas.microsoft.com/office/powerpoint/2010/main" val="2439088707"/>
       </p:ext>
     </p:extLst>
   </p:cSld>
@@ -2763,7 +2763,7 @@
           <p:cNvPr id="2" name="标题占位符 1">
             <a:extLst>
               <a:ext uri="{FF2B5EF4-FFF2-40B4-BE49-F238E27FC236}">
-                <a16:creationId xmlns:a16="http://schemas.microsoft.com/office/drawing/2014/main" id="{A74E8953-013C-BB96-466B-B64D945B643D}"/>
+                <a16:creationId xmlns:a16="http://schemas.microsoft.com/office/drawing/2014/main" id="{90FA3639-594B-5BDD-2B98-7898BC8B3012}"/>
               </a:ext>
             </a:extLst>
           </p:cNvPr>
@@ -2801,7 +2801,7 @@
           <p:cNvPr id="3" name="文本占位符 2">
             <a:extLst>
               <a:ext uri="{FF2B5EF4-FFF2-40B4-BE49-F238E27FC236}">
-                <a16:creationId xmlns:a16="http://schemas.microsoft.com/office/drawing/2014/main" id="{C6DAC773-4F2F-B049-E302-56E9D6DC3CE6}"/>
+                <a16:creationId xmlns:a16="http://schemas.microsoft.com/office/drawing/2014/main" id="{B774E1E5-822B-B98A-F106-E05F4FB6B563}"/>
               </a:ext>
             </a:extLst>
           </p:cNvPr>
@@ -2868,7 +2868,7 @@
           <p:cNvPr id="4" name="日期占位符 3">
             <a:extLst>
               <a:ext uri="{FF2B5EF4-FFF2-40B4-BE49-F238E27FC236}">
-                <a16:creationId xmlns:a16="http://schemas.microsoft.com/office/drawing/2014/main" id="{69838C63-1D1F-42DE-9401-8631CB7E60B3}"/>
+                <a16:creationId xmlns:a16="http://schemas.microsoft.com/office/drawing/2014/main" id="{D2AD89CF-181F-3D9F-CF96-526894237FB0}"/>
               </a:ext>
             </a:extLst>
           </p:cNvPr>
@@ -2902,7 +2902,7 @@
             </a:lvl1pPr>
           </a:lstStyle>
           <a:p>
-            <a:fld id="{E546F93D-E946-4DF5-B3A8-F1A9B4156835}" type="datetimeFigureOut">
+            <a:fld id="{BBC30394-3F69-4228-AB61-327F366D3243}" type="datetimeFigureOut">
               <a:rPr lang="zh-CN" altLang="en-US" smtClean="0"/>
               <a:t>2024/3/10</a:t>
             </a:fld>
@@ -2915,7 +2915,7 @@
           <p:cNvPr id="5" name="页脚占位符 4">
             <a:extLst>
               <a:ext uri="{FF2B5EF4-FFF2-40B4-BE49-F238E27FC236}">
-                <a16:creationId xmlns:a16="http://schemas.microsoft.com/office/drawing/2014/main" id="{B80E36CD-B79D-5095-6A99-AD1E212D7276}"/>
+                <a16:creationId xmlns:a16="http://schemas.microsoft.com/office/drawing/2014/main" id="{F5B48D95-BF0B-1BEC-0527-BC4D7DD8C79D}"/>
               </a:ext>
             </a:extLst>
           </p:cNvPr>
@@ -2958,7 +2958,7 @@
           <p:cNvPr id="6" name="灯片编号占位符 5">
             <a:extLst>
               <a:ext uri="{FF2B5EF4-FFF2-40B4-BE49-F238E27FC236}">
-                <a16:creationId xmlns:a16="http://schemas.microsoft.com/office/drawing/2014/main" id="{4F08E36E-7838-8142-2425-53CC0A9DD8E8}"/>
+                <a16:creationId xmlns:a16="http://schemas.microsoft.com/office/drawing/2014/main" id="{04E3AC8C-BF9D-70C0-389C-053A0DE9B1CC}"/>
               </a:ext>
             </a:extLst>
           </p:cNvPr>
@@ -2992,7 +2992,7 @@
             </a:lvl1pPr>
           </a:lstStyle>
           <a:p>
-            <a:fld id="{4D2A542C-E6A2-49FF-A501-9327B4D976C4}" type="slidenum">
+            <a:fld id="{5583479A-0BA9-440C-8E88-16C7C462400E}" type="slidenum">
               <a:rPr lang="zh-CN" altLang="en-US" smtClean="0"/>
               <a:t>‹#›</a:t>
             </a:fld>
@@ -3003,7 +3003,7 @@
     </p:spTree>
     <p:extLst>
       <p:ext uri="{BB962C8B-B14F-4D97-AF65-F5344CB8AC3E}">
-        <p14:creationId xmlns:p14="http://schemas.microsoft.com/office/powerpoint/2010/main" val="203361908"/>
+        <p14:creationId xmlns:p14="http://schemas.microsoft.com/office/powerpoint/2010/main" val="37744334"/>
       </p:ext>
     </p:extLst>
   </p:cSld>
@@ -3323,7 +3323,7 @@
       </p:grpSpPr>
       <p:pic>
         <p:nvPicPr>
-          <p:cNvPr id="1565698" name="Picture 2" descr="1528"/>
+          <p:cNvPr id="1566722" name="Picture 2" descr="1529"/>
           <p:cNvPicPr>
             <a:picLocks noChangeAspect="1" noChangeArrowheads="1"/>
           </p:cNvPicPr>
@@ -3345,7 +3345,7 @@
         <p:spPr bwMode="auto">
           <a:xfrm>
             <a:off x="1524000" y="0"/>
-            <a:ext cx="9144000" cy="6858000"/>
+            <a:ext cx="9144000" cy="5805488"/>
           </a:xfrm>
           <a:prstGeom prst="rect">
             <a:avLst/>
